--- a/מה אני עושה.pptx
+++ b/מה אני עושה.pptx
@@ -105,6 +105,11 @@
       </a:defRPr>
     </a:lvl9pPr>
   </p:defaultTextStyle>
+  <p:extLst>
+    <p:ext uri="{EFAFB233-063F-42B5-8137-9DF3F51BA10A}">
+      <p15:sldGuideLst xmlns:p15="http://schemas.microsoft.com/office/powerpoint/2012/main"/>
+    </p:ext>
+  </p:extLst>
 </p:presentation>
 </file>
 
@@ -255,7 +260,7 @@
           <a:p>
             <a:fld id="{11EBE2A7-ABC7-40D9-9C6D-8E027093A896}" type="datetimeFigureOut">
               <a:rPr lang="he-IL" smtClean="0"/>
-              <a:t>ב'/אייר/תשפ"ב</a:t>
+              <a:t>ח'/אייר/תשפ"ב</a:t>
             </a:fld>
             <a:endParaRPr lang="he-IL"/>
           </a:p>
@@ -453,7 +458,7 @@
           <a:p>
             <a:fld id="{11EBE2A7-ABC7-40D9-9C6D-8E027093A896}" type="datetimeFigureOut">
               <a:rPr lang="he-IL" smtClean="0"/>
-              <a:t>ב'/אייר/תשפ"ב</a:t>
+              <a:t>ח'/אייר/תשפ"ב</a:t>
             </a:fld>
             <a:endParaRPr lang="he-IL"/>
           </a:p>
@@ -661,7 +666,7 @@
           <a:p>
             <a:fld id="{11EBE2A7-ABC7-40D9-9C6D-8E027093A896}" type="datetimeFigureOut">
               <a:rPr lang="he-IL" smtClean="0"/>
-              <a:t>ב'/אייר/תשפ"ב</a:t>
+              <a:t>ח'/אייר/תשפ"ב</a:t>
             </a:fld>
             <a:endParaRPr lang="he-IL"/>
           </a:p>
@@ -859,7 +864,7 @@
           <a:p>
             <a:fld id="{11EBE2A7-ABC7-40D9-9C6D-8E027093A896}" type="datetimeFigureOut">
               <a:rPr lang="he-IL" smtClean="0"/>
-              <a:t>ב'/אייר/תשפ"ב</a:t>
+              <a:t>ח'/אייר/תשפ"ב</a:t>
             </a:fld>
             <a:endParaRPr lang="he-IL"/>
           </a:p>
@@ -1134,7 +1139,7 @@
           <a:p>
             <a:fld id="{11EBE2A7-ABC7-40D9-9C6D-8E027093A896}" type="datetimeFigureOut">
               <a:rPr lang="he-IL" smtClean="0"/>
-              <a:t>ב'/אייר/תשפ"ב</a:t>
+              <a:t>ח'/אייר/תשפ"ב</a:t>
             </a:fld>
             <a:endParaRPr lang="he-IL"/>
           </a:p>
@@ -1399,7 +1404,7 @@
           <a:p>
             <a:fld id="{11EBE2A7-ABC7-40D9-9C6D-8E027093A896}" type="datetimeFigureOut">
               <a:rPr lang="he-IL" smtClean="0"/>
-              <a:t>ב'/אייר/תשפ"ב</a:t>
+              <a:t>ח'/אייר/תשפ"ב</a:t>
             </a:fld>
             <a:endParaRPr lang="he-IL"/>
           </a:p>
@@ -1811,7 +1816,7 @@
           <a:p>
             <a:fld id="{11EBE2A7-ABC7-40D9-9C6D-8E027093A896}" type="datetimeFigureOut">
               <a:rPr lang="he-IL" smtClean="0"/>
-              <a:t>ב'/אייר/תשפ"ב</a:t>
+              <a:t>ח'/אייר/תשפ"ב</a:t>
             </a:fld>
             <a:endParaRPr lang="he-IL"/>
           </a:p>
@@ -1952,7 +1957,7 @@
           <a:p>
             <a:fld id="{11EBE2A7-ABC7-40D9-9C6D-8E027093A896}" type="datetimeFigureOut">
               <a:rPr lang="he-IL" smtClean="0"/>
-              <a:t>ב'/אייר/תשפ"ב</a:t>
+              <a:t>ח'/אייר/תשפ"ב</a:t>
             </a:fld>
             <a:endParaRPr lang="he-IL"/>
           </a:p>
@@ -2065,7 +2070,7 @@
           <a:p>
             <a:fld id="{11EBE2A7-ABC7-40D9-9C6D-8E027093A896}" type="datetimeFigureOut">
               <a:rPr lang="he-IL" smtClean="0"/>
-              <a:t>ב'/אייר/תשפ"ב</a:t>
+              <a:t>ח'/אייר/תשפ"ב</a:t>
             </a:fld>
             <a:endParaRPr lang="he-IL"/>
           </a:p>
@@ -2376,7 +2381,7 @@
           <a:p>
             <a:fld id="{11EBE2A7-ABC7-40D9-9C6D-8E027093A896}" type="datetimeFigureOut">
               <a:rPr lang="he-IL" smtClean="0"/>
-              <a:t>ב'/אייר/תשפ"ב</a:t>
+              <a:t>ח'/אייר/תשפ"ב</a:t>
             </a:fld>
             <a:endParaRPr lang="he-IL"/>
           </a:p>
@@ -2664,7 +2669,7 @@
           <a:p>
             <a:fld id="{11EBE2A7-ABC7-40D9-9C6D-8E027093A896}" type="datetimeFigureOut">
               <a:rPr lang="he-IL" smtClean="0"/>
-              <a:t>ב'/אייר/תשפ"ב</a:t>
+              <a:t>ח'/אייר/תשפ"ב</a:t>
             </a:fld>
             <a:endParaRPr lang="he-IL"/>
           </a:p>
@@ -2905,7 +2910,7 @@
           <a:p>
             <a:fld id="{11EBE2A7-ABC7-40D9-9C6D-8E027093A896}" type="datetimeFigureOut">
               <a:rPr lang="he-IL" smtClean="0"/>
-              <a:t>ב'/אייר/תשפ"ב</a:t>
+              <a:t>ח'/אייר/תשפ"ב</a:t>
             </a:fld>
             <a:endParaRPr lang="he-IL"/>
           </a:p>
@@ -3398,6 +3403,12 @@
             <a:prstGeom prst="ellipse">
               <a:avLst/>
             </a:prstGeom>
+            <a:solidFill>
+              <a:srgbClr val="FF0000"/>
+            </a:solidFill>
+            <a:ln>
+              <a:noFill/>
+            </a:ln>
           </p:spPr>
           <p:style>
             <a:lnRef idx="2">
@@ -3448,6 +3459,12 @@
             <a:prstGeom prst="ellipse">
               <a:avLst/>
             </a:prstGeom>
+            <a:solidFill>
+              <a:srgbClr val="FF0000"/>
+            </a:solidFill>
+            <a:ln>
+              <a:noFill/>
+            </a:ln>
           </p:spPr>
           <p:style>
             <a:lnRef idx="2">
@@ -3498,6 +3515,12 @@
             <a:prstGeom prst="ellipse">
               <a:avLst/>
             </a:prstGeom>
+            <a:solidFill>
+              <a:srgbClr val="FF0000"/>
+            </a:solidFill>
+            <a:ln>
+              <a:noFill/>
+            </a:ln>
           </p:spPr>
           <p:style>
             <a:lnRef idx="2">
@@ -3548,6 +3571,12 @@
             <a:prstGeom prst="ellipse">
               <a:avLst/>
             </a:prstGeom>
+            <a:solidFill>
+              <a:srgbClr val="FF0000"/>
+            </a:solidFill>
+            <a:ln>
+              <a:noFill/>
+            </a:ln>
           </p:spPr>
           <p:style>
             <a:lnRef idx="2">
@@ -3598,6 +3627,12 @@
             <a:prstGeom prst="ellipse">
               <a:avLst/>
             </a:prstGeom>
+            <a:solidFill>
+              <a:srgbClr val="FF0000"/>
+            </a:solidFill>
+            <a:ln>
+              <a:noFill/>
+            </a:ln>
           </p:spPr>
           <p:style>
             <a:lnRef idx="2">
@@ -3648,6 +3683,12 @@
             <a:prstGeom prst="ellipse">
               <a:avLst/>
             </a:prstGeom>
+            <a:solidFill>
+              <a:srgbClr val="FF0000"/>
+            </a:solidFill>
+            <a:ln>
+              <a:noFill/>
+            </a:ln>
           </p:spPr>
           <p:style>
             <a:lnRef idx="2">
@@ -3698,6 +3739,12 @@
             <a:prstGeom prst="ellipse">
               <a:avLst/>
             </a:prstGeom>
+            <a:solidFill>
+              <a:srgbClr val="FF0000"/>
+            </a:solidFill>
+            <a:ln>
+              <a:noFill/>
+            </a:ln>
           </p:spPr>
           <p:style>
             <a:lnRef idx="2">
@@ -3738,8 +3785,7 @@
               </a:extLst>
             </p:cNvPr>
             <p:cNvCxnSpPr>
-              <a:stCxn id="10" idx="2"/>
-              <a:endCxn id="4" idx="6"/>
+              <a:cxnSpLocks/>
             </p:cNvCxnSpPr>
             <p:nvPr/>
           </p:nvCxnSpPr>
@@ -3751,6 +3797,11 @@
             <a:prstGeom prst="line">
               <a:avLst/>
             </a:prstGeom>
+            <a:ln w="19050">
+              <a:solidFill>
+                <a:srgbClr val="00B050"/>
+              </a:solidFill>
+            </a:ln>
           </p:spPr>
           <p:style>
             <a:lnRef idx="1">
@@ -3777,19 +3828,23 @@
               </a:extLst>
             </p:cNvPr>
             <p:cNvCxnSpPr>
-              <a:stCxn id="4" idx="3"/>
-              <a:endCxn id="6" idx="0"/>
+              <a:cxnSpLocks/>
             </p:cNvCxnSpPr>
             <p:nvPr/>
           </p:nvCxnSpPr>
           <p:spPr>
             <a:xfrm flipH="1">
-              <a:off x="4813071" y="1414519"/>
-              <a:ext cx="455844" cy="829918"/>
+              <a:off x="4813071" y="1414520"/>
+              <a:ext cx="455843" cy="829917"/>
             </a:xfrm>
             <a:prstGeom prst="line">
               <a:avLst/>
             </a:prstGeom>
+            <a:ln w="19050">
+              <a:solidFill>
+                <a:srgbClr val="00B050"/>
+              </a:solidFill>
+            </a:ln>
           </p:spPr>
           <p:style>
             <a:lnRef idx="1">
@@ -3816,19 +3871,23 @@
               </a:extLst>
             </p:cNvPr>
             <p:cNvCxnSpPr>
-              <a:stCxn id="6" idx="5"/>
-              <a:endCxn id="7" idx="1"/>
+              <a:cxnSpLocks/>
             </p:cNvCxnSpPr>
             <p:nvPr/>
           </p:nvCxnSpPr>
           <p:spPr>
             <a:xfrm>
-              <a:off x="5030557" y="2769494"/>
-              <a:ext cx="412927" cy="1061319"/>
+              <a:off x="5030556" y="2769495"/>
+              <a:ext cx="412927" cy="1061320"/>
             </a:xfrm>
             <a:prstGeom prst="line">
               <a:avLst/>
             </a:prstGeom>
+            <a:ln w="19050">
+              <a:solidFill>
+                <a:srgbClr val="00B050"/>
+              </a:solidFill>
+            </a:ln>
           </p:spPr>
           <p:style>
             <a:lnRef idx="1">
@@ -3856,19 +3915,22 @@
             </p:cNvPr>
             <p:cNvCxnSpPr>
               <a:cxnSpLocks/>
-              <a:stCxn id="7" idx="7"/>
-              <a:endCxn id="11" idx="3"/>
             </p:cNvCxnSpPr>
             <p:nvPr/>
           </p:nvCxnSpPr>
           <p:spPr>
             <a:xfrm flipV="1">
-              <a:off x="5878456" y="3384636"/>
+              <a:off x="5878457" y="3384636"/>
               <a:ext cx="230046" cy="446177"/>
             </a:xfrm>
             <a:prstGeom prst="line">
               <a:avLst/>
             </a:prstGeom>
+            <a:ln w="19050">
+              <a:solidFill>
+                <a:srgbClr val="00B050"/>
+              </a:solidFill>
+            </a:ln>
           </p:spPr>
           <p:style>
             <a:lnRef idx="1">
@@ -3908,6 +3970,11 @@
             <a:prstGeom prst="line">
               <a:avLst/>
             </a:prstGeom>
+            <a:ln w="28575">
+              <a:solidFill>
+                <a:srgbClr val="00B050"/>
+              </a:solidFill>
+            </a:ln>
           </p:spPr>
           <p:style>
             <a:lnRef idx="1">
@@ -3934,19 +4001,23 @@
               </a:extLst>
             </p:cNvPr>
             <p:cNvCxnSpPr>
-              <a:stCxn id="8" idx="0"/>
-              <a:endCxn id="5" idx="3"/>
+              <a:cxnSpLocks/>
             </p:cNvCxnSpPr>
             <p:nvPr/>
           </p:nvCxnSpPr>
           <p:spPr>
             <a:xfrm flipV="1">
-              <a:off x="7340140" y="2370483"/>
-              <a:ext cx="272965" cy="750946"/>
+              <a:off x="7340140" y="2370484"/>
+              <a:ext cx="272965" cy="750945"/>
             </a:xfrm>
             <a:prstGeom prst="line">
               <a:avLst/>
             </a:prstGeom>
+            <a:ln w="19050">
+              <a:solidFill>
+                <a:srgbClr val="00B050"/>
+              </a:solidFill>
+            </a:ln>
           </p:spPr>
           <p:style>
             <a:lnRef idx="1">
@@ -3973,19 +4044,23 @@
               </a:extLst>
             </p:cNvPr>
             <p:cNvCxnSpPr>
-              <a:stCxn id="10" idx="5"/>
-              <a:endCxn id="5" idx="1"/>
+              <a:cxnSpLocks/>
             </p:cNvCxnSpPr>
             <p:nvPr/>
           </p:nvCxnSpPr>
           <p:spPr>
             <a:xfrm>
-              <a:off x="7075489" y="1106948"/>
-              <a:ext cx="537616" cy="828563"/>
+              <a:off x="7075489" y="1106947"/>
+              <a:ext cx="537617" cy="828563"/>
             </a:xfrm>
             <a:prstGeom prst="line">
               <a:avLst/>
             </a:prstGeom>
+            <a:ln w="19050">
+              <a:solidFill>
+                <a:srgbClr val="00B050"/>
+              </a:solidFill>
+            </a:ln>
           </p:spPr>
           <p:style>
             <a:lnRef idx="1">
@@ -4012,19 +4087,23 @@
               </a:extLst>
             </p:cNvPr>
             <p:cNvCxnSpPr>
-              <a:stCxn id="10" idx="3"/>
-              <a:endCxn id="6" idx="7"/>
+              <a:cxnSpLocks/>
             </p:cNvCxnSpPr>
             <p:nvPr/>
           </p:nvCxnSpPr>
           <p:spPr>
             <a:xfrm flipH="1">
-              <a:off x="5030557" y="1106948"/>
-              <a:ext cx="1609960" cy="1227574"/>
+              <a:off x="5030556" y="1106947"/>
+              <a:ext cx="1609959" cy="1227574"/>
             </a:xfrm>
             <a:prstGeom prst="line">
               <a:avLst/>
             </a:prstGeom>
+            <a:ln w="19050">
+              <a:solidFill>
+                <a:srgbClr val="00B050"/>
+              </a:solidFill>
+            </a:ln>
           </p:spPr>
           <p:style>
             <a:lnRef idx="1">
@@ -4051,19 +4130,23 @@
               </a:extLst>
             </p:cNvPr>
             <p:cNvCxnSpPr>
-              <a:stCxn id="11" idx="2"/>
-              <a:endCxn id="6" idx="6"/>
+              <a:cxnSpLocks/>
             </p:cNvCxnSpPr>
             <p:nvPr/>
           </p:nvCxnSpPr>
           <p:spPr>
             <a:xfrm flipH="1" flipV="1">
               <a:off x="5120642" y="2552008"/>
-              <a:ext cx="897775" cy="615142"/>
+              <a:ext cx="897775" cy="615141"/>
             </a:xfrm>
             <a:prstGeom prst="line">
               <a:avLst/>
             </a:prstGeom>
+            <a:ln w="19050">
+              <a:solidFill>
+                <a:srgbClr val="00B050"/>
+              </a:solidFill>
+            </a:ln>
           </p:spPr>
           <p:style>
             <a:lnRef idx="1">
@@ -4090,18 +4173,23 @@
               </a:extLst>
             </p:cNvPr>
             <p:cNvCxnSpPr>
-              <a:stCxn id="10" idx="4"/>
+              <a:cxnSpLocks/>
             </p:cNvCxnSpPr>
             <p:nvPr/>
           </p:nvCxnSpPr>
           <p:spPr>
             <a:xfrm flipH="1">
               <a:off x="6367551" y="1197033"/>
-              <a:ext cx="490452" cy="1618182"/>
+              <a:ext cx="490451" cy="1618182"/>
             </a:xfrm>
             <a:prstGeom prst="line">
               <a:avLst/>
             </a:prstGeom>
+            <a:ln w="19050">
+              <a:solidFill>
+                <a:srgbClr val="00B050"/>
+              </a:solidFill>
+            </a:ln>
           </p:spPr>
           <p:style>
             <a:lnRef idx="1">
@@ -4128,19 +4216,23 @@
               </a:extLst>
             </p:cNvPr>
             <p:cNvCxnSpPr>
-              <a:stCxn id="11" idx="6"/>
-              <a:endCxn id="5" idx="2"/>
+              <a:cxnSpLocks/>
             </p:cNvCxnSpPr>
             <p:nvPr/>
           </p:nvCxnSpPr>
           <p:spPr>
             <a:xfrm flipV="1">
               <a:off x="6633559" y="2152997"/>
-              <a:ext cx="889461" cy="1014153"/>
+              <a:ext cx="889461" cy="1014154"/>
             </a:xfrm>
             <a:prstGeom prst="line">
               <a:avLst/>
             </a:prstGeom>
+            <a:ln w="19050">
+              <a:solidFill>
+                <a:srgbClr val="00B050"/>
+              </a:solidFill>
+            </a:ln>
           </p:spPr>
           <p:style>
             <a:lnRef idx="1">
@@ -4167,19 +4259,23 @@
               </a:extLst>
             </p:cNvPr>
             <p:cNvCxnSpPr>
-              <a:stCxn id="5" idx="1"/>
-              <a:endCxn id="4" idx="5"/>
+              <a:cxnSpLocks/>
             </p:cNvCxnSpPr>
             <p:nvPr/>
           </p:nvCxnSpPr>
           <p:spPr>
             <a:xfrm flipH="1" flipV="1">
-              <a:off x="5703887" y="1414519"/>
+              <a:off x="5703886" y="1414520"/>
               <a:ext cx="1909218" cy="520992"/>
             </a:xfrm>
             <a:prstGeom prst="line">
               <a:avLst/>
             </a:prstGeom>
+            <a:ln w="19050">
+              <a:solidFill>
+                <a:srgbClr val="00B050"/>
+              </a:solidFill>
+            </a:ln>
           </p:spPr>
           <p:style>
             <a:lnRef idx="1">
@@ -4410,41 +4506,6 @@
         </p:sp>
         <p:sp>
           <p:nvSpPr>
-            <p:cNvPr id="43" name="TextBox 42">
-              <a:extLst>
-                <a:ext uri="{FF2B5EF4-FFF2-40B4-BE49-F238E27FC236}">
-                  <a16:creationId xmlns:a16="http://schemas.microsoft.com/office/drawing/2014/main" id="{6D54090D-8361-409C-983C-9F2155CD76C9}"/>
-                </a:ext>
-              </a:extLst>
-            </p:cNvPr>
-            <p:cNvSpPr txBox="1"/>
-            <p:nvPr/>
-          </p:nvSpPr>
-          <p:spPr>
-            <a:xfrm>
-              <a:off x="6665411" y="3210652"/>
-              <a:ext cx="259047" cy="369332"/>
-            </a:xfrm>
-            <a:prstGeom prst="rect">
-              <a:avLst/>
-            </a:prstGeom>
-            <a:noFill/>
-          </p:spPr>
-          <p:txBody>
-            <a:bodyPr wrap="square" rtlCol="1">
-              <a:spAutoFit/>
-            </a:bodyPr>
-            <a:lstStyle/>
-            <a:p>
-              <a:r>
-                <a:rPr lang="he-IL" dirty="0"/>
-                <a:t>1</a:t>
-              </a:r>
-            </a:p>
-          </p:txBody>
-        </p:sp>
-        <p:sp>
-          <p:nvSpPr>
             <p:cNvPr id="44" name="TextBox 43">
               <a:extLst>
                 <a:ext uri="{FF2B5EF4-FFF2-40B4-BE49-F238E27FC236}">
@@ -4527,8 +4588,8 @@
           </p:nvSpPr>
           <p:spPr>
             <a:xfrm>
-              <a:off x="6990915" y="2317125"/>
-              <a:ext cx="259047" cy="369332"/>
+              <a:off x="6956589" y="2269067"/>
+              <a:ext cx="229090" cy="561496"/>
             </a:xfrm>
             <a:prstGeom prst="rect">
               <a:avLst/>
@@ -4867,6 +4928,12 @@
             <a:prstGeom prst="ellipse">
               <a:avLst/>
             </a:prstGeom>
+            <a:solidFill>
+              <a:srgbClr val="FF0000"/>
+            </a:solidFill>
+            <a:ln>
+              <a:noFill/>
+            </a:ln>
           </p:spPr>
           <p:style>
             <a:lnRef idx="2">
@@ -4917,6 +4984,12 @@
             <a:prstGeom prst="ellipse">
               <a:avLst/>
             </a:prstGeom>
+            <a:solidFill>
+              <a:srgbClr val="FF0000"/>
+            </a:solidFill>
+            <a:ln>
+              <a:noFill/>
+            </a:ln>
           </p:spPr>
           <p:style>
             <a:lnRef idx="2">
@@ -4967,6 +5040,12 @@
             <a:prstGeom prst="ellipse">
               <a:avLst/>
             </a:prstGeom>
+            <a:solidFill>
+              <a:srgbClr val="FF0000"/>
+            </a:solidFill>
+            <a:ln>
+              <a:noFill/>
+            </a:ln>
           </p:spPr>
           <p:style>
             <a:lnRef idx="2">
@@ -5017,6 +5096,12 @@
             <a:prstGeom prst="ellipse">
               <a:avLst/>
             </a:prstGeom>
+            <a:solidFill>
+              <a:srgbClr val="FF0000"/>
+            </a:solidFill>
+            <a:ln>
+              <a:noFill/>
+            </a:ln>
           </p:spPr>
           <p:style>
             <a:lnRef idx="2">
@@ -5070,6 +5155,11 @@
             <a:prstGeom prst="line">
               <a:avLst/>
             </a:prstGeom>
+            <a:ln w="19050">
+              <a:solidFill>
+                <a:srgbClr val="00B050"/>
+              </a:solidFill>
+            </a:ln>
           </p:spPr>
           <p:style>
             <a:lnRef idx="1">
@@ -5109,6 +5199,11 @@
             <a:prstGeom prst="line">
               <a:avLst/>
             </a:prstGeom>
+            <a:ln w="19050">
+              <a:solidFill>
+                <a:srgbClr val="00B050"/>
+              </a:solidFill>
+            </a:ln>
           </p:spPr>
           <p:style>
             <a:lnRef idx="1">
@@ -5148,6 +5243,11 @@
             <a:prstGeom prst="line">
               <a:avLst/>
             </a:prstGeom>
+            <a:ln w="19050">
+              <a:solidFill>
+                <a:srgbClr val="00B050"/>
+              </a:solidFill>
+            </a:ln>
           </p:spPr>
           <p:style>
             <a:lnRef idx="1">
@@ -5187,6 +5287,11 @@
             <a:prstGeom prst="line">
               <a:avLst/>
             </a:prstGeom>
+            <a:ln w="19050">
+              <a:solidFill>
+                <a:srgbClr val="00B050"/>
+              </a:solidFill>
+            </a:ln>
           </p:spPr>
           <p:style>
             <a:lnRef idx="1">
@@ -5226,6 +5331,11 @@
             <a:prstGeom prst="line">
               <a:avLst/>
             </a:prstGeom>
+            <a:ln w="19050">
+              <a:solidFill>
+                <a:srgbClr val="00B050"/>
+              </a:solidFill>
+            </a:ln>
           </p:spPr>
           <p:style>
             <a:lnRef idx="1">
@@ -5265,6 +5375,11 @@
             <a:prstGeom prst="line">
               <a:avLst/>
             </a:prstGeom>
+            <a:ln w="19050">
+              <a:solidFill>
+                <a:srgbClr val="00B050"/>
+              </a:solidFill>
+            </a:ln>
           </p:spPr>
           <p:style>
             <a:lnRef idx="1">
@@ -5541,7 +5656,7 @@
         </p:nvSpPr>
         <p:spPr>
           <a:xfrm>
-            <a:off x="5611955" y="1994256"/>
+            <a:off x="5900652" y="1500310"/>
             <a:ext cx="1992284" cy="1754326"/>
           </a:xfrm>
           <a:prstGeom prst="rect">
@@ -5669,6 +5784,41 @@
               <a:t>F</a:t>
             </a:r>
             <a:endParaRPr lang="he-IL" sz="3200" dirty="0"/>
+          </a:p>
+        </p:txBody>
+      </p:sp>
+      <p:sp>
+        <p:nvSpPr>
+          <p:cNvPr id="130" name="TextBox 46">
+            <a:extLst>
+              <a:ext uri="{FF2B5EF4-FFF2-40B4-BE49-F238E27FC236}">
+                <a16:creationId xmlns:a16="http://schemas.microsoft.com/office/drawing/2014/main" id="{311975E3-1DD6-05F3-57C5-432E1A78001C}"/>
+              </a:ext>
+            </a:extLst>
+          </p:cNvPr>
+          <p:cNvSpPr txBox="1"/>
+          <p:nvPr/>
+        </p:nvSpPr>
+        <p:spPr>
+          <a:xfrm>
+            <a:off x="3293443" y="2442499"/>
+            <a:ext cx="160724" cy="369332"/>
+          </a:xfrm>
+          <a:prstGeom prst="rect">
+            <a:avLst/>
+          </a:prstGeom>
+          <a:noFill/>
+        </p:spPr>
+        <p:txBody>
+          <a:bodyPr wrap="square" rtlCol="1">
+            <a:spAutoFit/>
+          </a:bodyPr>
+          <a:lstStyle/>
+          <a:p>
+            <a:r>
+              <a:rPr lang="he-IL" dirty="0"/>
+              <a:t>1</a:t>
+            </a:r>
           </a:p>
         </p:txBody>
       </p:sp>

--- a/מה אני עושה.pptx
+++ b/מה אני עושה.pptx
@@ -6,7 +6,8 @@
   </p:sldMasterIdLst>
   <p:sldIdLst>
     <p:sldId id="256" r:id="rId2"/>
-    <p:sldId id="257" r:id="rId3"/>
+    <p:sldId id="258" r:id="rId3"/>
+    <p:sldId id="257" r:id="rId4"/>
   </p:sldIdLst>
   <p:sldSz cx="12192000" cy="6858000"/>
   <p:notesSz cx="6858000" cy="9144000"/>
@@ -260,7 +261,7 @@
           <a:p>
             <a:fld id="{11EBE2A7-ABC7-40D9-9C6D-8E027093A896}" type="datetimeFigureOut">
               <a:rPr lang="he-IL" smtClean="0"/>
-              <a:t>ח'/אייר/תשפ"ב</a:t>
+              <a:t>ט"ו/אייר/תשפ"ב</a:t>
             </a:fld>
             <a:endParaRPr lang="he-IL"/>
           </a:p>
@@ -458,7 +459,7 @@
           <a:p>
             <a:fld id="{11EBE2A7-ABC7-40D9-9C6D-8E027093A896}" type="datetimeFigureOut">
               <a:rPr lang="he-IL" smtClean="0"/>
-              <a:t>ח'/אייר/תשפ"ב</a:t>
+              <a:t>ט"ו/אייר/תשפ"ב</a:t>
             </a:fld>
             <a:endParaRPr lang="he-IL"/>
           </a:p>
@@ -666,7 +667,7 @@
           <a:p>
             <a:fld id="{11EBE2A7-ABC7-40D9-9C6D-8E027093A896}" type="datetimeFigureOut">
               <a:rPr lang="he-IL" smtClean="0"/>
-              <a:t>ח'/אייר/תשפ"ב</a:t>
+              <a:t>ט"ו/אייר/תשפ"ב</a:t>
             </a:fld>
             <a:endParaRPr lang="he-IL"/>
           </a:p>
@@ -864,7 +865,7 @@
           <a:p>
             <a:fld id="{11EBE2A7-ABC7-40D9-9C6D-8E027093A896}" type="datetimeFigureOut">
               <a:rPr lang="he-IL" smtClean="0"/>
-              <a:t>ח'/אייר/תשפ"ב</a:t>
+              <a:t>ט"ו/אייר/תשפ"ב</a:t>
             </a:fld>
             <a:endParaRPr lang="he-IL"/>
           </a:p>
@@ -1139,7 +1140,7 @@
           <a:p>
             <a:fld id="{11EBE2A7-ABC7-40D9-9C6D-8E027093A896}" type="datetimeFigureOut">
               <a:rPr lang="he-IL" smtClean="0"/>
-              <a:t>ח'/אייר/תשפ"ב</a:t>
+              <a:t>ט"ו/אייר/תשפ"ב</a:t>
             </a:fld>
             <a:endParaRPr lang="he-IL"/>
           </a:p>
@@ -1404,7 +1405,7 @@
           <a:p>
             <a:fld id="{11EBE2A7-ABC7-40D9-9C6D-8E027093A896}" type="datetimeFigureOut">
               <a:rPr lang="he-IL" smtClean="0"/>
-              <a:t>ח'/אייר/תשפ"ב</a:t>
+              <a:t>ט"ו/אייר/תשפ"ב</a:t>
             </a:fld>
             <a:endParaRPr lang="he-IL"/>
           </a:p>
@@ -1816,7 +1817,7 @@
           <a:p>
             <a:fld id="{11EBE2A7-ABC7-40D9-9C6D-8E027093A896}" type="datetimeFigureOut">
               <a:rPr lang="he-IL" smtClean="0"/>
-              <a:t>ח'/אייר/תשפ"ב</a:t>
+              <a:t>ט"ו/אייר/תשפ"ב</a:t>
             </a:fld>
             <a:endParaRPr lang="he-IL"/>
           </a:p>
@@ -1957,7 +1958,7 @@
           <a:p>
             <a:fld id="{11EBE2A7-ABC7-40D9-9C6D-8E027093A896}" type="datetimeFigureOut">
               <a:rPr lang="he-IL" smtClean="0"/>
-              <a:t>ח'/אייר/תשפ"ב</a:t>
+              <a:t>ט"ו/אייר/תשפ"ב</a:t>
             </a:fld>
             <a:endParaRPr lang="he-IL"/>
           </a:p>
@@ -2070,7 +2071,7 @@
           <a:p>
             <a:fld id="{11EBE2A7-ABC7-40D9-9C6D-8E027093A896}" type="datetimeFigureOut">
               <a:rPr lang="he-IL" smtClean="0"/>
-              <a:t>ח'/אייר/תשפ"ב</a:t>
+              <a:t>ט"ו/אייר/תשפ"ב</a:t>
             </a:fld>
             <a:endParaRPr lang="he-IL"/>
           </a:p>
@@ -2381,7 +2382,7 @@
           <a:p>
             <a:fld id="{11EBE2A7-ABC7-40D9-9C6D-8E027093A896}" type="datetimeFigureOut">
               <a:rPr lang="he-IL" smtClean="0"/>
-              <a:t>ח'/אייר/תשפ"ב</a:t>
+              <a:t>ט"ו/אייר/תשפ"ב</a:t>
             </a:fld>
             <a:endParaRPr lang="he-IL"/>
           </a:p>
@@ -2669,7 +2670,7 @@
           <a:p>
             <a:fld id="{11EBE2A7-ABC7-40D9-9C6D-8E027093A896}" type="datetimeFigureOut">
               <a:rPr lang="he-IL" smtClean="0"/>
-              <a:t>ח'/אייר/תשפ"ב</a:t>
+              <a:t>ט"ו/אייר/תשפ"ב</a:t>
             </a:fld>
             <a:endParaRPr lang="he-IL"/>
           </a:p>
@@ -2910,7 +2911,7 @@
           <a:p>
             <a:fld id="{11EBE2A7-ABC7-40D9-9C6D-8E027093A896}" type="datetimeFigureOut">
               <a:rPr lang="he-IL" smtClean="0"/>
-              <a:t>ח'/אייר/תשפ"ב</a:t>
+              <a:t>ט"ו/אייר/תשפ"ב</a:t>
             </a:fld>
             <a:endParaRPr lang="he-IL"/>
           </a:p>
@@ -3377,7 +3378,7 @@
         </p:nvGrpSpPr>
         <p:grpSpPr>
           <a:xfrm>
-            <a:off x="1708178" y="535748"/>
+            <a:off x="1318847" y="-169215"/>
             <a:ext cx="2548582" cy="2556588"/>
             <a:chOff x="4505500" y="469085"/>
             <a:chExt cx="3632662" cy="3886785"/>
@@ -3454,7 +3455,7 @@
           <p:spPr>
             <a:xfrm>
               <a:off x="7523020" y="1845426"/>
-              <a:ext cx="615142" cy="615142"/>
+              <a:ext cx="615142" cy="615141"/>
             </a:xfrm>
             <a:prstGeom prst="ellipse">
               <a:avLst/>
@@ -4449,7 +4450,7 @@
           <p:spPr>
             <a:xfrm>
               <a:off x="7363019" y="1267506"/>
-              <a:ext cx="259047" cy="369332"/>
+              <a:ext cx="259047" cy="369331"/>
             </a:xfrm>
             <a:prstGeom prst="rect">
               <a:avLst/>
@@ -5656,7 +5657,7 @@
         </p:nvSpPr>
         <p:spPr>
           <a:xfrm>
-            <a:off x="5900652" y="1500310"/>
+            <a:off x="5854040" y="2354385"/>
             <a:ext cx="1992284" cy="1754326"/>
           </a:xfrm>
           <a:prstGeom prst="rect">
@@ -5801,7 +5802,7 @@
         </p:nvSpPr>
         <p:spPr>
           <a:xfrm>
-            <a:off x="3293443" y="2442499"/>
+            <a:off x="2904112" y="1737536"/>
             <a:ext cx="160724" cy="369332"/>
           </a:xfrm>
           <a:prstGeom prst="rect">
@@ -5836,6 +5837,36 @@
 </file>
 
 <file path=ppt/slides/slide2.xml><?xml version="1.0" encoding="utf-8"?>
+<p:sld xmlns:a="http://schemas.openxmlformats.org/drawingml/2006/main" xmlns:r="http://schemas.openxmlformats.org/officeDocument/2006/relationships" xmlns:p="http://schemas.openxmlformats.org/presentationml/2006/main">
+  <p:cSld>
+    <p:spTree>
+      <p:nvGrpSpPr>
+        <p:cNvPr id="1" name=""/>
+        <p:cNvGrpSpPr/>
+        <p:nvPr/>
+      </p:nvGrpSpPr>
+      <p:grpSpPr>
+        <a:xfrm>
+          <a:off x="0" y="0"/>
+          <a:ext cx="0" cy="0"/>
+          <a:chOff x="0" y="0"/>
+          <a:chExt cx="0" cy="0"/>
+        </a:xfrm>
+      </p:grpSpPr>
+    </p:spTree>
+    <p:extLst>
+      <p:ext uri="{BB962C8B-B14F-4D97-AF65-F5344CB8AC3E}">
+        <p14:creationId xmlns:p14="http://schemas.microsoft.com/office/powerpoint/2010/main" val="734162034"/>
+      </p:ext>
+    </p:extLst>
+  </p:cSld>
+  <p:clrMapOvr>
+    <a:masterClrMapping/>
+  </p:clrMapOvr>
+</p:sld>
+</file>
+
+<file path=ppt/slides/slide3.xml><?xml version="1.0" encoding="utf-8"?>
 <p:sld xmlns:a="http://schemas.openxmlformats.org/drawingml/2006/main" xmlns:r="http://schemas.openxmlformats.org/officeDocument/2006/relationships" xmlns:p="http://schemas.openxmlformats.org/presentationml/2006/main">
   <p:cSld>
     <p:spTree>

--- a/מה אני עושה.pptx
+++ b/מה אני עושה.pptx
@@ -261,7 +261,7 @@
           <a:p>
             <a:fld id="{11EBE2A7-ABC7-40D9-9C6D-8E027093A896}" type="datetimeFigureOut">
               <a:rPr lang="he-IL" smtClean="0"/>
-              <a:t>ט"ו/אייר/תשפ"ב</a:t>
+              <a:t>ט"ז/אייר/תשפ"ב</a:t>
             </a:fld>
             <a:endParaRPr lang="he-IL"/>
           </a:p>
@@ -459,7 +459,7 @@
           <a:p>
             <a:fld id="{11EBE2A7-ABC7-40D9-9C6D-8E027093A896}" type="datetimeFigureOut">
               <a:rPr lang="he-IL" smtClean="0"/>
-              <a:t>ט"ו/אייר/תשפ"ב</a:t>
+              <a:t>ט"ז/אייר/תשפ"ב</a:t>
             </a:fld>
             <a:endParaRPr lang="he-IL"/>
           </a:p>
@@ -667,7 +667,7 @@
           <a:p>
             <a:fld id="{11EBE2A7-ABC7-40D9-9C6D-8E027093A896}" type="datetimeFigureOut">
               <a:rPr lang="he-IL" smtClean="0"/>
-              <a:t>ט"ו/אייר/תשפ"ב</a:t>
+              <a:t>ט"ז/אייר/תשפ"ב</a:t>
             </a:fld>
             <a:endParaRPr lang="he-IL"/>
           </a:p>
@@ -865,7 +865,7 @@
           <a:p>
             <a:fld id="{11EBE2A7-ABC7-40D9-9C6D-8E027093A896}" type="datetimeFigureOut">
               <a:rPr lang="he-IL" smtClean="0"/>
-              <a:t>ט"ו/אייר/תשפ"ב</a:t>
+              <a:t>ט"ז/אייר/תשפ"ב</a:t>
             </a:fld>
             <a:endParaRPr lang="he-IL"/>
           </a:p>
@@ -1140,7 +1140,7 @@
           <a:p>
             <a:fld id="{11EBE2A7-ABC7-40D9-9C6D-8E027093A896}" type="datetimeFigureOut">
               <a:rPr lang="he-IL" smtClean="0"/>
-              <a:t>ט"ו/אייר/תשפ"ב</a:t>
+              <a:t>ט"ז/אייר/תשפ"ב</a:t>
             </a:fld>
             <a:endParaRPr lang="he-IL"/>
           </a:p>
@@ -1405,7 +1405,7 @@
           <a:p>
             <a:fld id="{11EBE2A7-ABC7-40D9-9C6D-8E027093A896}" type="datetimeFigureOut">
               <a:rPr lang="he-IL" smtClean="0"/>
-              <a:t>ט"ו/אייר/תשפ"ב</a:t>
+              <a:t>ט"ז/אייר/תשפ"ב</a:t>
             </a:fld>
             <a:endParaRPr lang="he-IL"/>
           </a:p>
@@ -1817,7 +1817,7 @@
           <a:p>
             <a:fld id="{11EBE2A7-ABC7-40D9-9C6D-8E027093A896}" type="datetimeFigureOut">
               <a:rPr lang="he-IL" smtClean="0"/>
-              <a:t>ט"ו/אייר/תשפ"ב</a:t>
+              <a:t>ט"ז/אייר/תשפ"ב</a:t>
             </a:fld>
             <a:endParaRPr lang="he-IL"/>
           </a:p>
@@ -1958,7 +1958,7 @@
           <a:p>
             <a:fld id="{11EBE2A7-ABC7-40D9-9C6D-8E027093A896}" type="datetimeFigureOut">
               <a:rPr lang="he-IL" smtClean="0"/>
-              <a:t>ט"ו/אייר/תשפ"ב</a:t>
+              <a:t>ט"ז/אייר/תשפ"ב</a:t>
             </a:fld>
             <a:endParaRPr lang="he-IL"/>
           </a:p>
@@ -2071,7 +2071,7 @@
           <a:p>
             <a:fld id="{11EBE2A7-ABC7-40D9-9C6D-8E027093A896}" type="datetimeFigureOut">
               <a:rPr lang="he-IL" smtClean="0"/>
-              <a:t>ט"ו/אייר/תשפ"ב</a:t>
+              <a:t>ט"ז/אייר/תשפ"ב</a:t>
             </a:fld>
             <a:endParaRPr lang="he-IL"/>
           </a:p>
@@ -2382,7 +2382,7 @@
           <a:p>
             <a:fld id="{11EBE2A7-ABC7-40D9-9C6D-8E027093A896}" type="datetimeFigureOut">
               <a:rPr lang="he-IL" smtClean="0"/>
-              <a:t>ט"ו/אייר/תשפ"ב</a:t>
+              <a:t>ט"ז/אייר/תשפ"ב</a:t>
             </a:fld>
             <a:endParaRPr lang="he-IL"/>
           </a:p>
@@ -2670,7 +2670,7 @@
           <a:p>
             <a:fld id="{11EBE2A7-ABC7-40D9-9C6D-8E027093A896}" type="datetimeFigureOut">
               <a:rPr lang="he-IL" smtClean="0"/>
-              <a:t>ט"ו/אייר/תשפ"ב</a:t>
+              <a:t>ט"ז/אייר/תשפ"ב</a:t>
             </a:fld>
             <a:endParaRPr lang="he-IL"/>
           </a:p>
@@ -2911,7 +2911,7 @@
           <a:p>
             <a:fld id="{11EBE2A7-ABC7-40D9-9C6D-8E027093A896}" type="datetimeFigureOut">
               <a:rPr lang="he-IL" smtClean="0"/>
-              <a:t>ט"ו/אייר/תשפ"ב</a:t>
+              <a:t>ט"ז/אייר/תשפ"ב</a:t>
             </a:fld>
             <a:endParaRPr lang="he-IL"/>
           </a:p>
@@ -3511,7 +3511,7 @@
           <p:spPr>
             <a:xfrm>
               <a:off x="4505500" y="2244437"/>
-              <a:ext cx="615142" cy="615142"/>
+              <a:ext cx="615142" cy="615141"/>
             </a:xfrm>
             <a:prstGeom prst="ellipse">
               <a:avLst/>
@@ -4903,8 +4903,8 @@
         </p:nvGrpSpPr>
         <p:grpSpPr>
           <a:xfrm>
-            <a:off x="8944493" y="3646981"/>
-            <a:ext cx="2995355" cy="1709651"/>
+            <a:off x="10440785" y="4530436"/>
+            <a:ext cx="1499063" cy="826196"/>
             <a:chOff x="8406940" y="4292138"/>
             <a:chExt cx="3632662" cy="2277688"/>
           </a:xfrm>
